--- a/PPT/ch7_class.pptx
+++ b/PPT/ch7_class.pptx
@@ -145,7 +145,7 @@
   </p:defaultTextStyle>
   <p:extLst>
     <p:ext uri="{EFAFB233-063F-42B5-8137-9DF3F51BA10A}">
-      <p15:sldGuideLst xmlns="" xmlns:p15="http://schemas.microsoft.com/office/powerpoint/2012/main"/>
+      <p15:sldGuideLst xmlns:p15="http://schemas.microsoft.com/office/powerpoint/2012/main" xmlns=""/>
     </p:ext>
   </p:extLst>
 </p:presentation>
@@ -233,7 +233,7 @@
           <a:p>
             <a:fld id="{36D26F9D-7086-4874-9FD7-F2A60CF0EB4E}" type="datetimeFigureOut">
               <a:rPr lang="ko-KR" altLang="en-US" smtClean="0"/>
-              <a:t>2016-01-18</a:t>
+              <a:t>2016-01-19</a:t>
             </a:fld>
             <a:endParaRPr lang="ko-KR" altLang="en-US"/>
           </a:p>
@@ -2796,7 +2796,7 @@
           <a:p>
             <a:fld id="{9A4482CB-6BA5-419A-B1BB-DF7478CCF951}" type="datetime1">
               <a:rPr lang="ko-KR" altLang="en-US" smtClean="0"/>
-              <a:t>2016-01-18</a:t>
+              <a:t>2016-01-19</a:t>
             </a:fld>
             <a:endParaRPr lang="ko-KR" altLang="en-US"/>
           </a:p>
@@ -2978,7 +2978,7 @@
           <a:p>
             <a:fld id="{A7469843-BD1A-47E7-A2BB-197220B173B6}" type="datetime1">
               <a:rPr lang="ko-KR" altLang="en-US" smtClean="0"/>
-              <a:t>2016-01-18</a:t>
+              <a:t>2016-01-19</a:t>
             </a:fld>
             <a:endParaRPr lang="ko-KR" altLang="en-US"/>
           </a:p>
@@ -3158,7 +3158,7 @@
           <a:p>
             <a:fld id="{018F1B78-3988-4143-A9BC-8F1C94A8D24C}" type="datetime1">
               <a:rPr lang="ko-KR" altLang="en-US" smtClean="0"/>
-              <a:t>2016-01-18</a:t>
+              <a:t>2016-01-19</a:t>
             </a:fld>
             <a:endParaRPr lang="ko-KR" altLang="en-US"/>
           </a:p>
@@ -3392,7 +3392,7 @@
           <a:p>
             <a:fld id="{D704027F-A5DF-4DB0-BB5E-282E903BA604}" type="datetime1">
               <a:rPr lang="ko-KR" altLang="en-US" smtClean="0"/>
-              <a:t>2016-01-18</a:t>
+              <a:t>2016-01-19</a:t>
             </a:fld>
             <a:endParaRPr lang="ko-KR" altLang="en-US"/>
           </a:p>
@@ -3685,7 +3685,7 @@
           <a:p>
             <a:fld id="{C90624F3-1261-4349-8FA1-CC02DAA35899}" type="datetime1">
               <a:rPr lang="ko-KR" altLang="en-US" smtClean="0"/>
-              <a:t>2016-01-18</a:t>
+              <a:t>2016-01-19</a:t>
             </a:fld>
             <a:endParaRPr lang="ko-KR" altLang="en-US"/>
           </a:p>
@@ -3924,7 +3924,7 @@
           <a:p>
             <a:fld id="{B069A13B-C207-49EC-8727-27D4E7FF7581}" type="datetime1">
               <a:rPr lang="ko-KR" altLang="en-US" smtClean="0"/>
-              <a:t>2016-01-18</a:t>
+              <a:t>2016-01-19</a:t>
             </a:fld>
             <a:endParaRPr lang="ko-KR" altLang="en-US"/>
           </a:p>
@@ -4298,7 +4298,7 @@
           <a:p>
             <a:fld id="{6CDF000B-DFB4-4B70-A1BE-3559BE293D3F}" type="datetime1">
               <a:rPr lang="ko-KR" altLang="en-US" smtClean="0"/>
-              <a:t>2016-01-18</a:t>
+              <a:t>2016-01-19</a:t>
             </a:fld>
             <a:endParaRPr lang="ko-KR" altLang="en-US"/>
           </a:p>
@@ -4423,7 +4423,7 @@
           <a:p>
             <a:fld id="{ED267016-71B0-4603-BBFE-956FA452E2D1}" type="datetime1">
               <a:rPr lang="ko-KR" altLang="en-US" smtClean="0"/>
-              <a:t>2016-01-18</a:t>
+              <a:t>2016-01-19</a:t>
             </a:fld>
             <a:endParaRPr lang="ko-KR" altLang="en-US"/>
           </a:p>
@@ -4525,7 +4525,7 @@
           <a:p>
             <a:fld id="{CAE436D1-BAF2-4110-B4EE-BC3791F6F456}" type="datetime1">
               <a:rPr lang="ko-KR" altLang="en-US" smtClean="0"/>
-              <a:t>2016-01-18</a:t>
+              <a:t>2016-01-19</a:t>
             </a:fld>
             <a:endParaRPr lang="ko-KR" altLang="en-US"/>
           </a:p>
@@ -4809,7 +4809,7 @@
           <a:p>
             <a:fld id="{068795F3-BF2C-4AFF-A57E-2608F9928445}" type="datetime1">
               <a:rPr lang="ko-KR" altLang="en-US" smtClean="0"/>
-              <a:t>2016-01-18</a:t>
+              <a:t>2016-01-19</a:t>
             </a:fld>
             <a:endParaRPr lang="ko-KR" altLang="en-US"/>
           </a:p>
@@ -5062,7 +5062,7 @@
           <a:p>
             <a:fld id="{56F99B02-6B5A-4015-8780-DA392778EA96}" type="datetime1">
               <a:rPr lang="ko-KR" altLang="en-US" smtClean="0"/>
-              <a:t>2016-01-18</a:t>
+              <a:t>2016-01-19</a:t>
             </a:fld>
             <a:endParaRPr lang="ko-KR" altLang="en-US"/>
           </a:p>
@@ -5278,7 +5278,7 @@
           <a:p>
             <a:fld id="{57B7B9C7-1586-4B1C-A218-E5F025B183C0}" type="datetime1">
               <a:rPr lang="ko-KR" altLang="en-US" smtClean="0"/>
-              <a:t>2016-01-18</a:t>
+              <a:t>2016-01-19</a:t>
             </a:fld>
             <a:endParaRPr lang="ko-KR" altLang="en-US"/>
           </a:p>
@@ -14698,7 +14698,15 @@
             </a:r>
             <a:r>
               <a:rPr lang="ko-KR" altLang="en-US" sz="1800" dirty="0" smtClean="0"/>
-              <a:t> 객체에 저장됨</a:t>
+              <a:t> </a:t>
+            </a:r>
+            <a:r>
+              <a:rPr lang="ko-KR" altLang="en-US" sz="1800" smtClean="0"/>
+              <a:t>객체에 </a:t>
+            </a:r>
+            <a:r>
+              <a:rPr lang="ko-KR" altLang="en-US" sz="1800" smtClean="0"/>
+              <a:t> 저장됨</a:t>
             </a:r>
             <a:endParaRPr lang="en-US" altLang="ko-KR" sz="1800" dirty="0" smtClean="0"/>
           </a:p>
@@ -21426,7 +21434,6 @@
               <a:rPr lang="en-US" altLang="ko-KR" sz="1200" dirty="0"/>
               <a:t>__', '__doc__'</a:t>
             </a:r>
-            <a:endParaRPr lang="en-US" altLang="ko-KR" sz="1200" dirty="0"/>
           </a:p>
         </p:txBody>
       </p:sp>
@@ -21937,7 +21944,6 @@
               <a:rPr lang="en-US" altLang="ko-KR" sz="1200" dirty="0"/>
               <a:t>    __slots__=('name', 'balance')</a:t>
             </a:r>
-            <a:endParaRPr lang="en-US" altLang="ko-KR" sz="1200" dirty="0"/>
           </a:p>
         </p:txBody>
       </p:sp>
@@ -23548,7 +23554,6 @@
               <a:rPr lang="en-US" altLang="ko-KR" sz="1200" dirty="0"/>
               <a:t>)</a:t>
             </a:r>
-            <a:endParaRPr lang="en-US" altLang="ko-KR" sz="1200" dirty="0"/>
           </a:p>
         </p:txBody>
       </p:sp>
@@ -23806,7 +23811,6 @@
               <a:rPr lang="en-US" altLang="ko-KR" sz="1200" dirty="0"/>
               <a:t>)</a:t>
             </a:r>
-            <a:endParaRPr lang="en-US" altLang="ko-KR" sz="1200" dirty="0"/>
           </a:p>
         </p:txBody>
       </p:sp>
@@ -32408,7 +32412,7 @@
   <a:extraClrSchemeLst/>
   <a:extLst>
     <a:ext uri="{05A4C25C-085E-4340-85A3-A5531E510DB2}">
-      <thm15:themeFamily xmlns="" xmlns:thm15="http://schemas.microsoft.com/office/thememl/2012/main" name="Office Theme" id="{62F939B6-93AF-4DB8-9C6B-D6C7DFDC589F}" vid="{4A3C46E8-61CC-4603-A589-7422A47A8E4A}"/>
+      <thm15:themeFamily xmlns:thm15="http://schemas.microsoft.com/office/thememl/2012/main" xmlns="" name="Office Theme" id="{62F939B6-93AF-4DB8-9C6B-D6C7DFDC589F}" vid="{4A3C46E8-61CC-4603-A589-7422A47A8E4A}"/>
     </a:ext>
   </a:extLst>
 </a:theme>
@@ -32669,7 +32673,7 @@
   <a:extraClrSchemeLst/>
   <a:extLst>
     <a:ext uri="{05A4C25C-085E-4340-85A3-A5531E510DB2}">
-      <thm15:themeFamily xmlns="" xmlns:thm15="http://schemas.microsoft.com/office/thememl/2012/main" name="Office Theme" id="{62F939B6-93AF-4DB8-9C6B-D6C7DFDC589F}" vid="{4A3C46E8-61CC-4603-A589-7422A47A8E4A}"/>
+      <thm15:themeFamily xmlns:thm15="http://schemas.microsoft.com/office/thememl/2012/main" xmlns="" name="Office Theme" id="{62F939B6-93AF-4DB8-9C6B-D6C7DFDC589F}" vid="{4A3C46E8-61CC-4603-A589-7422A47A8E4A}"/>
     </a:ext>
   </a:extLst>
 </a:theme>
